--- a/LOGOs.pptx
+++ b/LOGOs.pptx
@@ -8,6 +8,7 @@
     <p:sldId id="258" r:id="rId2"/>
     <p:sldId id="256" r:id="rId3"/>
     <p:sldId id="257" r:id="rId4"/>
+    <p:sldId id="259" r:id="rId5"/>
   </p:sldIdLst>
   <p:sldSz cx="15998825" cy="8999538"/>
   <p:notesSz cx="6858000" cy="9144000"/>
@@ -245,7 +246,7 @@
           <a:p>
             <a:fld id="{AD527CCB-E36C-43BF-96A9-78690A44E218}" type="datetimeFigureOut">
               <a:rPr lang="en-SG" smtClean="0"/>
-              <a:t>28/9/2024</a:t>
+              <a:t>10/12/2024</a:t>
             </a:fld>
             <a:endParaRPr lang="en-SG"/>
           </a:p>
@@ -415,7 +416,7 @@
           <a:p>
             <a:fld id="{AD527CCB-E36C-43BF-96A9-78690A44E218}" type="datetimeFigureOut">
               <a:rPr lang="en-SG" smtClean="0"/>
-              <a:t>28/9/2024</a:t>
+              <a:t>10/12/2024</a:t>
             </a:fld>
             <a:endParaRPr lang="en-SG"/>
           </a:p>
@@ -595,7 +596,7 @@
           <a:p>
             <a:fld id="{AD527CCB-E36C-43BF-96A9-78690A44E218}" type="datetimeFigureOut">
               <a:rPr lang="en-SG" smtClean="0"/>
-              <a:t>28/9/2024</a:t>
+              <a:t>10/12/2024</a:t>
             </a:fld>
             <a:endParaRPr lang="en-SG"/>
           </a:p>
@@ -765,7 +766,7 @@
           <a:p>
             <a:fld id="{AD527CCB-E36C-43BF-96A9-78690A44E218}" type="datetimeFigureOut">
               <a:rPr lang="en-SG" smtClean="0"/>
-              <a:t>28/9/2024</a:t>
+              <a:t>10/12/2024</a:t>
             </a:fld>
             <a:endParaRPr lang="en-SG"/>
           </a:p>
@@ -1011,7 +1012,7 @@
           <a:p>
             <a:fld id="{AD527CCB-E36C-43BF-96A9-78690A44E218}" type="datetimeFigureOut">
               <a:rPr lang="en-SG" smtClean="0"/>
-              <a:t>28/9/2024</a:t>
+              <a:t>10/12/2024</a:t>
             </a:fld>
             <a:endParaRPr lang="en-SG"/>
           </a:p>
@@ -1243,7 +1244,7 @@
           <a:p>
             <a:fld id="{AD527CCB-E36C-43BF-96A9-78690A44E218}" type="datetimeFigureOut">
               <a:rPr lang="en-SG" smtClean="0"/>
-              <a:t>28/9/2024</a:t>
+              <a:t>10/12/2024</a:t>
             </a:fld>
             <a:endParaRPr lang="en-SG"/>
           </a:p>
@@ -1610,7 +1611,7 @@
           <a:p>
             <a:fld id="{AD527CCB-E36C-43BF-96A9-78690A44E218}" type="datetimeFigureOut">
               <a:rPr lang="en-SG" smtClean="0"/>
-              <a:t>28/9/2024</a:t>
+              <a:t>10/12/2024</a:t>
             </a:fld>
             <a:endParaRPr lang="en-SG"/>
           </a:p>
@@ -1728,7 +1729,7 @@
           <a:p>
             <a:fld id="{AD527CCB-E36C-43BF-96A9-78690A44E218}" type="datetimeFigureOut">
               <a:rPr lang="en-SG" smtClean="0"/>
-              <a:t>28/9/2024</a:t>
+              <a:t>10/12/2024</a:t>
             </a:fld>
             <a:endParaRPr lang="en-SG"/>
           </a:p>
@@ -1823,7 +1824,7 @@
           <a:p>
             <a:fld id="{AD527CCB-E36C-43BF-96A9-78690A44E218}" type="datetimeFigureOut">
               <a:rPr lang="en-SG" smtClean="0"/>
-              <a:t>28/9/2024</a:t>
+              <a:t>10/12/2024</a:t>
             </a:fld>
             <a:endParaRPr lang="en-SG"/>
           </a:p>
@@ -2100,7 +2101,7 @@
           <a:p>
             <a:fld id="{AD527CCB-E36C-43BF-96A9-78690A44E218}" type="datetimeFigureOut">
               <a:rPr lang="en-SG" smtClean="0"/>
-              <a:t>28/9/2024</a:t>
+              <a:t>10/12/2024</a:t>
             </a:fld>
             <a:endParaRPr lang="en-SG"/>
           </a:p>
@@ -2357,7 +2358,7 @@
           <a:p>
             <a:fld id="{AD527CCB-E36C-43BF-96A9-78690A44E218}" type="datetimeFigureOut">
               <a:rPr lang="en-SG" smtClean="0"/>
-              <a:t>28/9/2024</a:t>
+              <a:t>10/12/2024</a:t>
             </a:fld>
             <a:endParaRPr lang="en-SG"/>
           </a:p>
@@ -2570,7 +2571,7 @@
           <a:p>
             <a:fld id="{AD527CCB-E36C-43BF-96A9-78690A44E218}" type="datetimeFigureOut">
               <a:rPr lang="en-SG" smtClean="0"/>
-              <a:t>28/9/2024</a:t>
+              <a:t>10/12/2024</a:t>
             </a:fld>
             <a:endParaRPr lang="en-SG"/>
           </a:p>
@@ -3419,6 +3420,277 @@
 </p:sld>
 </file>
 
+<file path=ppt/slides/slide4.xml><?xml version="1.0" encoding="utf-8"?>
+<p:sld xmlns:a="http://schemas.openxmlformats.org/drawingml/2006/main" xmlns:r="http://schemas.openxmlformats.org/officeDocument/2006/relationships" xmlns:p="http://schemas.openxmlformats.org/presentationml/2006/main">
+  <p:cSld>
+    <p:spTree>
+      <p:nvGrpSpPr>
+        <p:cNvPr id="1" name="">
+          <a:extLst>
+            <a:ext uri="{FF2B5EF4-FFF2-40B4-BE49-F238E27FC236}">
+              <a16:creationId xmlns:a16="http://schemas.microsoft.com/office/drawing/2014/main" id="{5A0099B1-9B34-AB2E-E668-E75727E34099}"/>
+            </a:ext>
+          </a:extLst>
+        </p:cNvPr>
+        <p:cNvGrpSpPr/>
+        <p:nvPr/>
+      </p:nvGrpSpPr>
+      <p:grpSpPr>
+        <a:xfrm>
+          <a:off x="0" y="0"/>
+          <a:ext cx="0" cy="0"/>
+          <a:chOff x="0" y="0"/>
+          <a:chExt cx="0" cy="0"/>
+        </a:xfrm>
+      </p:grpSpPr>
+      <p:pic>
+        <p:nvPicPr>
+          <p:cNvPr id="1026" name="Picture 2" descr="Singapore Accreditation Council">
+            <a:extLst>
+              <a:ext uri="{FF2B5EF4-FFF2-40B4-BE49-F238E27FC236}">
+                <a16:creationId xmlns:a16="http://schemas.microsoft.com/office/drawing/2014/main" id="{DF008506-1C19-5AA3-6CF6-05AEF0C18F9B}"/>
+              </a:ext>
+            </a:extLst>
+          </p:cNvPr>
+          <p:cNvPicPr>
+            <a:picLocks noChangeAspect="1" noChangeArrowheads="1"/>
+          </p:cNvPicPr>
+          <p:nvPr/>
+        </p:nvPicPr>
+        <p:blipFill>
+          <a:blip r:embed="rId2">
+            <a:extLst>
+              <a:ext uri="{28A0092B-C50C-407E-A947-70E740481C1C}">
+                <a14:useLocalDpi xmlns:a14="http://schemas.microsoft.com/office/drawing/2010/main" val="0"/>
+              </a:ext>
+            </a:extLst>
+          </a:blip>
+          <a:srcRect/>
+          <a:stretch>
+            <a:fillRect/>
+          </a:stretch>
+        </p:blipFill>
+        <p:spPr bwMode="auto">
+          <a:xfrm>
+            <a:off x="1470707" y="3724347"/>
+            <a:ext cx="3390900" cy="1343025"/>
+          </a:xfrm>
+          <a:prstGeom prst="rect">
+            <a:avLst/>
+          </a:prstGeom>
+          <a:noFill/>
+          <a:extLst>
+            <a:ext uri="{909E8E84-426E-40DD-AFC4-6F175D3DCCD1}">
+              <a14:hiddenFill xmlns:a14="http://schemas.microsoft.com/office/drawing/2010/main">
+                <a:solidFill>
+                  <a:srgbClr val="FFFFFF"/>
+                </a:solidFill>
+              </a14:hiddenFill>
+            </a:ext>
+          </a:extLst>
+        </p:spPr>
+      </p:pic>
+      <p:pic>
+        <p:nvPicPr>
+          <p:cNvPr id="1028" name="Picture 4" descr="Home - Association of Employment Agencies (Singapore)">
+            <a:extLst>
+              <a:ext uri="{FF2B5EF4-FFF2-40B4-BE49-F238E27FC236}">
+                <a16:creationId xmlns:a16="http://schemas.microsoft.com/office/drawing/2014/main" id="{B46FB75C-58E9-5F3F-C68B-2505ED017D2B}"/>
+              </a:ext>
+            </a:extLst>
+          </p:cNvPr>
+          <p:cNvPicPr>
+            <a:picLocks noChangeAspect="1" noChangeArrowheads="1"/>
+          </p:cNvPicPr>
+          <p:nvPr/>
+        </p:nvPicPr>
+        <p:blipFill>
+          <a:blip r:embed="rId3">
+            <a:extLst>
+              <a:ext uri="{28A0092B-C50C-407E-A947-70E740481C1C}">
+                <a14:useLocalDpi xmlns:a14="http://schemas.microsoft.com/office/drawing/2010/main" val="0"/>
+              </a:ext>
+            </a:extLst>
+          </a:blip>
+          <a:srcRect/>
+          <a:stretch>
+            <a:fillRect/>
+          </a:stretch>
+        </p:blipFill>
+        <p:spPr bwMode="auto">
+          <a:xfrm>
+            <a:off x="5037883" y="3445666"/>
+            <a:ext cx="2134209" cy="2131953"/>
+          </a:xfrm>
+          <a:prstGeom prst="rect">
+            <a:avLst/>
+          </a:prstGeom>
+          <a:noFill/>
+          <a:extLst>
+            <a:ext uri="{909E8E84-426E-40DD-AFC4-6F175D3DCCD1}">
+              <a14:hiddenFill xmlns:a14="http://schemas.microsoft.com/office/drawing/2010/main">
+                <a:solidFill>
+                  <a:srgbClr val="FFFFFF"/>
+                </a:solidFill>
+              </a14:hiddenFill>
+            </a:ext>
+          </a:extLst>
+        </p:spPr>
+      </p:pic>
+      <p:pic>
+        <p:nvPicPr>
+          <p:cNvPr id="1030" name="Picture 6" descr="MOM logo">
+            <a:extLst>
+              <a:ext uri="{FF2B5EF4-FFF2-40B4-BE49-F238E27FC236}">
+                <a16:creationId xmlns:a16="http://schemas.microsoft.com/office/drawing/2014/main" id="{3B302C94-864D-2AED-73AB-07629F8870FB}"/>
+              </a:ext>
+            </a:extLst>
+          </p:cNvPr>
+          <p:cNvPicPr>
+            <a:picLocks noChangeAspect="1" noChangeArrowheads="1"/>
+          </p:cNvPicPr>
+          <p:nvPr/>
+        </p:nvPicPr>
+        <p:blipFill>
+          <a:blip r:embed="rId4">
+            <a:extLst>
+              <a:ext uri="{28A0092B-C50C-407E-A947-70E740481C1C}">
+                <a14:useLocalDpi xmlns:a14="http://schemas.microsoft.com/office/drawing/2010/main" val="0"/>
+              </a:ext>
+            </a:extLst>
+          </a:blip>
+          <a:srcRect/>
+          <a:stretch>
+            <a:fillRect/>
+          </a:stretch>
+        </p:blipFill>
+        <p:spPr bwMode="auto">
+          <a:xfrm>
+            <a:off x="7348368" y="3907151"/>
+            <a:ext cx="2501343" cy="1208982"/>
+          </a:xfrm>
+          <a:prstGeom prst="rect">
+            <a:avLst/>
+          </a:prstGeom>
+          <a:noFill/>
+          <a:extLst>
+            <a:ext uri="{909E8E84-426E-40DD-AFC4-6F175D3DCCD1}">
+              <a14:hiddenFill xmlns:a14="http://schemas.microsoft.com/office/drawing/2010/main">
+                <a:solidFill>
+                  <a:srgbClr val="FFFFFF"/>
+                </a:solidFill>
+              </a14:hiddenFill>
+            </a:ext>
+          </a:extLst>
+        </p:spPr>
+      </p:pic>
+      <p:pic>
+        <p:nvPicPr>
+          <p:cNvPr id="1032" name="Picture 8" descr="Indonesian Embassy Singapore">
+            <a:extLst>
+              <a:ext uri="{FF2B5EF4-FFF2-40B4-BE49-F238E27FC236}">
+                <a16:creationId xmlns:a16="http://schemas.microsoft.com/office/drawing/2014/main" id="{CE6718E5-C71D-562F-A2EB-28EA7ADC056A}"/>
+              </a:ext>
+            </a:extLst>
+          </p:cNvPr>
+          <p:cNvPicPr>
+            <a:picLocks noChangeAspect="1" noChangeArrowheads="1"/>
+          </p:cNvPicPr>
+          <p:nvPr/>
+        </p:nvPicPr>
+        <p:blipFill>
+          <a:blip r:embed="rId5">
+            <a:extLst>
+              <a:ext uri="{28A0092B-C50C-407E-A947-70E740481C1C}">
+                <a14:useLocalDpi xmlns:a14="http://schemas.microsoft.com/office/drawing/2010/main" val="0"/>
+              </a:ext>
+            </a:extLst>
+          </a:blip>
+          <a:srcRect/>
+          <a:stretch>
+            <a:fillRect/>
+          </a:stretch>
+        </p:blipFill>
+        <p:spPr bwMode="auto">
+          <a:xfrm>
+            <a:off x="10025987" y="3445666"/>
+            <a:ext cx="2131952" cy="2131952"/>
+          </a:xfrm>
+          <a:prstGeom prst="rect">
+            <a:avLst/>
+          </a:prstGeom>
+          <a:noFill/>
+          <a:extLst>
+            <a:ext uri="{909E8E84-426E-40DD-AFC4-6F175D3DCCD1}">
+              <a14:hiddenFill xmlns:a14="http://schemas.microsoft.com/office/drawing/2010/main">
+                <a:solidFill>
+                  <a:srgbClr val="FFFFFF"/>
+                </a:solidFill>
+              </a14:hiddenFill>
+            </a:ext>
+          </a:extLst>
+        </p:spPr>
+      </p:pic>
+      <p:pic>
+        <p:nvPicPr>
+          <p:cNvPr id="1034" name="Picture 10" descr="Embassy of the Philippines in Singapore | LinkedIn">
+            <a:extLst>
+              <a:ext uri="{FF2B5EF4-FFF2-40B4-BE49-F238E27FC236}">
+                <a16:creationId xmlns:a16="http://schemas.microsoft.com/office/drawing/2014/main" id="{F8738EA2-249F-62C8-0367-F7A99A2E5ABB}"/>
+              </a:ext>
+            </a:extLst>
+          </p:cNvPr>
+          <p:cNvPicPr>
+            <a:picLocks noChangeAspect="1" noChangeArrowheads="1"/>
+          </p:cNvPicPr>
+          <p:nvPr/>
+        </p:nvPicPr>
+        <p:blipFill>
+          <a:blip r:embed="rId6">
+            <a:extLst>
+              <a:ext uri="{28A0092B-C50C-407E-A947-70E740481C1C}">
+                <a14:useLocalDpi xmlns:a14="http://schemas.microsoft.com/office/drawing/2010/main" val="0"/>
+              </a:ext>
+            </a:extLst>
+          </a:blip>
+          <a:srcRect/>
+          <a:stretch>
+            <a:fillRect/>
+          </a:stretch>
+        </p:blipFill>
+        <p:spPr bwMode="auto">
+          <a:xfrm>
+            <a:off x="12240371" y="3010127"/>
+            <a:ext cx="2771463" cy="2771463"/>
+          </a:xfrm>
+          <a:prstGeom prst="rect">
+            <a:avLst/>
+          </a:prstGeom>
+          <a:noFill/>
+          <a:extLst>
+            <a:ext uri="{909E8E84-426E-40DD-AFC4-6F175D3DCCD1}">
+              <a14:hiddenFill xmlns:a14="http://schemas.microsoft.com/office/drawing/2010/main">
+                <a:solidFill>
+                  <a:srgbClr val="FFFFFF"/>
+                </a:solidFill>
+              </a14:hiddenFill>
+            </a:ext>
+          </a:extLst>
+        </p:spPr>
+      </p:pic>
+    </p:spTree>
+    <p:extLst>
+      <p:ext uri="{BB962C8B-B14F-4D97-AF65-F5344CB8AC3E}">
+        <p14:creationId xmlns:p14="http://schemas.microsoft.com/office/powerpoint/2010/main" val="3269203645"/>
+      </p:ext>
+    </p:extLst>
+  </p:cSld>
+  <p:clrMapOvr>
+    <a:masterClrMapping/>
+  </p:clrMapOvr>
+</p:sld>
+</file>
+
 <file path=ppt/theme/theme1.xml><?xml version="1.0" encoding="utf-8"?>
 <a:theme xmlns:a="http://schemas.openxmlformats.org/drawingml/2006/main" name="Office Theme">
   <a:themeElements>

--- a/LOGOs.pptx
+++ b/LOGOs.pptx
@@ -3445,10 +3445,10 @@
       </p:grpSpPr>
       <p:pic>
         <p:nvPicPr>
-          <p:cNvPr id="1026" name="Picture 2" descr="Singapore Accreditation Council">
+          <p:cNvPr id="1028" name="Picture 4" descr="Home - Association of Employment Agencies (Singapore)">
             <a:extLst>
               <a:ext uri="{FF2B5EF4-FFF2-40B4-BE49-F238E27FC236}">
-                <a16:creationId xmlns:a16="http://schemas.microsoft.com/office/drawing/2014/main" id="{DF008506-1C19-5AA3-6CF6-05AEF0C18F9B}"/>
+                <a16:creationId xmlns:a16="http://schemas.microsoft.com/office/drawing/2014/main" id="{B46FB75C-58E9-5F3F-C68B-2505ED017D2B}"/>
               </a:ext>
             </a:extLst>
           </p:cNvPr>
@@ -3472,54 +3472,7 @@
         </p:blipFill>
         <p:spPr bwMode="auto">
           <a:xfrm>
-            <a:off x="1470707" y="3724347"/>
-            <a:ext cx="3390900" cy="1343025"/>
-          </a:xfrm>
-          <a:prstGeom prst="rect">
-            <a:avLst/>
-          </a:prstGeom>
-          <a:noFill/>
-          <a:extLst>
-            <a:ext uri="{909E8E84-426E-40DD-AFC4-6F175D3DCCD1}">
-              <a14:hiddenFill xmlns:a14="http://schemas.microsoft.com/office/drawing/2010/main">
-                <a:solidFill>
-                  <a:srgbClr val="FFFFFF"/>
-                </a:solidFill>
-              </a14:hiddenFill>
-            </a:ext>
-          </a:extLst>
-        </p:spPr>
-      </p:pic>
-      <p:pic>
-        <p:nvPicPr>
-          <p:cNvPr id="1028" name="Picture 4" descr="Home - Association of Employment Agencies (Singapore)">
-            <a:extLst>
-              <a:ext uri="{FF2B5EF4-FFF2-40B4-BE49-F238E27FC236}">
-                <a16:creationId xmlns:a16="http://schemas.microsoft.com/office/drawing/2014/main" id="{B46FB75C-58E9-5F3F-C68B-2505ED017D2B}"/>
-              </a:ext>
-            </a:extLst>
-          </p:cNvPr>
-          <p:cNvPicPr>
-            <a:picLocks noChangeAspect="1" noChangeArrowheads="1"/>
-          </p:cNvPicPr>
-          <p:nvPr/>
-        </p:nvPicPr>
-        <p:blipFill>
-          <a:blip r:embed="rId3">
-            <a:extLst>
-              <a:ext uri="{28A0092B-C50C-407E-A947-70E740481C1C}">
-                <a14:useLocalDpi xmlns:a14="http://schemas.microsoft.com/office/drawing/2010/main" val="0"/>
-              </a:ext>
-            </a:extLst>
-          </a:blip>
-          <a:srcRect/>
-          <a:stretch>
-            <a:fillRect/>
-          </a:stretch>
-        </p:blipFill>
-        <p:spPr bwMode="auto">
-          <a:xfrm>
-            <a:off x="5037883" y="3445666"/>
+            <a:off x="3137831" y="3445666"/>
             <a:ext cx="2134209" cy="2131953"/>
           </a:xfrm>
           <a:prstGeom prst="rect">
@@ -3552,7 +3505,7 @@
           <p:nvPr/>
         </p:nvPicPr>
         <p:blipFill>
-          <a:blip r:embed="rId4">
+          <a:blip r:embed="rId3">
             <a:extLst>
               <a:ext uri="{28A0092B-C50C-407E-A947-70E740481C1C}">
                 <a14:useLocalDpi xmlns:a14="http://schemas.microsoft.com/office/drawing/2010/main" val="0"/>
@@ -3566,7 +3519,7 @@
         </p:blipFill>
         <p:spPr bwMode="auto">
           <a:xfrm>
-            <a:off x="7348368" y="3907151"/>
+            <a:off x="5448316" y="3907151"/>
             <a:ext cx="2501343" cy="1208982"/>
           </a:xfrm>
           <a:prstGeom prst="rect">
@@ -3599,7 +3552,7 @@
           <p:nvPr/>
         </p:nvPicPr>
         <p:blipFill>
-          <a:blip r:embed="rId5">
+          <a:blip r:embed="rId4">
             <a:extLst>
               <a:ext uri="{28A0092B-C50C-407E-A947-70E740481C1C}">
                 <a14:useLocalDpi xmlns:a14="http://schemas.microsoft.com/office/drawing/2010/main" val="0"/>
@@ -3613,7 +3566,7 @@
         </p:blipFill>
         <p:spPr bwMode="auto">
           <a:xfrm>
-            <a:off x="10025987" y="3445666"/>
+            <a:off x="8125935" y="3445666"/>
             <a:ext cx="2131952" cy="2131952"/>
           </a:xfrm>
           <a:prstGeom prst="rect">
@@ -3646,7 +3599,7 @@
           <p:nvPr/>
         </p:nvPicPr>
         <p:blipFill>
-          <a:blip r:embed="rId6">
+          <a:blip r:embed="rId5">
             <a:extLst>
               <a:ext uri="{28A0092B-C50C-407E-A947-70E740481C1C}">
                 <a14:useLocalDpi xmlns:a14="http://schemas.microsoft.com/office/drawing/2010/main" val="0"/>
@@ -3660,7 +3613,7 @@
         </p:blipFill>
         <p:spPr bwMode="auto">
           <a:xfrm>
-            <a:off x="12240371" y="3010127"/>
+            <a:off x="10340319" y="3010127"/>
             <a:ext cx="2771463" cy="2771463"/>
           </a:xfrm>
           <a:prstGeom prst="rect">

--- a/LOGOs.pptx
+++ b/LOGOs.pptx
@@ -246,7 +246,7 @@
           <a:p>
             <a:fld id="{AD527CCB-E36C-43BF-96A9-78690A44E218}" type="datetimeFigureOut">
               <a:rPr lang="en-SG" smtClean="0"/>
-              <a:t>10/12/2024</a:t>
+              <a:t>28/1/2025</a:t>
             </a:fld>
             <a:endParaRPr lang="en-SG"/>
           </a:p>
@@ -416,7 +416,7 @@
           <a:p>
             <a:fld id="{AD527CCB-E36C-43BF-96A9-78690A44E218}" type="datetimeFigureOut">
               <a:rPr lang="en-SG" smtClean="0"/>
-              <a:t>10/12/2024</a:t>
+              <a:t>28/1/2025</a:t>
             </a:fld>
             <a:endParaRPr lang="en-SG"/>
           </a:p>
@@ -596,7 +596,7 @@
           <a:p>
             <a:fld id="{AD527CCB-E36C-43BF-96A9-78690A44E218}" type="datetimeFigureOut">
               <a:rPr lang="en-SG" smtClean="0"/>
-              <a:t>10/12/2024</a:t>
+              <a:t>28/1/2025</a:t>
             </a:fld>
             <a:endParaRPr lang="en-SG"/>
           </a:p>
@@ -766,7 +766,7 @@
           <a:p>
             <a:fld id="{AD527CCB-E36C-43BF-96A9-78690A44E218}" type="datetimeFigureOut">
               <a:rPr lang="en-SG" smtClean="0"/>
-              <a:t>10/12/2024</a:t>
+              <a:t>28/1/2025</a:t>
             </a:fld>
             <a:endParaRPr lang="en-SG"/>
           </a:p>
@@ -1012,7 +1012,7 @@
           <a:p>
             <a:fld id="{AD527CCB-E36C-43BF-96A9-78690A44E218}" type="datetimeFigureOut">
               <a:rPr lang="en-SG" smtClean="0"/>
-              <a:t>10/12/2024</a:t>
+              <a:t>28/1/2025</a:t>
             </a:fld>
             <a:endParaRPr lang="en-SG"/>
           </a:p>
@@ -1244,7 +1244,7 @@
           <a:p>
             <a:fld id="{AD527CCB-E36C-43BF-96A9-78690A44E218}" type="datetimeFigureOut">
               <a:rPr lang="en-SG" smtClean="0"/>
-              <a:t>10/12/2024</a:t>
+              <a:t>28/1/2025</a:t>
             </a:fld>
             <a:endParaRPr lang="en-SG"/>
           </a:p>
@@ -1611,7 +1611,7 @@
           <a:p>
             <a:fld id="{AD527CCB-E36C-43BF-96A9-78690A44E218}" type="datetimeFigureOut">
               <a:rPr lang="en-SG" smtClean="0"/>
-              <a:t>10/12/2024</a:t>
+              <a:t>28/1/2025</a:t>
             </a:fld>
             <a:endParaRPr lang="en-SG"/>
           </a:p>
@@ -1729,7 +1729,7 @@
           <a:p>
             <a:fld id="{AD527CCB-E36C-43BF-96A9-78690A44E218}" type="datetimeFigureOut">
               <a:rPr lang="en-SG" smtClean="0"/>
-              <a:t>10/12/2024</a:t>
+              <a:t>28/1/2025</a:t>
             </a:fld>
             <a:endParaRPr lang="en-SG"/>
           </a:p>
@@ -1824,7 +1824,7 @@
           <a:p>
             <a:fld id="{AD527CCB-E36C-43BF-96A9-78690A44E218}" type="datetimeFigureOut">
               <a:rPr lang="en-SG" smtClean="0"/>
-              <a:t>10/12/2024</a:t>
+              <a:t>28/1/2025</a:t>
             </a:fld>
             <a:endParaRPr lang="en-SG"/>
           </a:p>
@@ -2101,7 +2101,7 @@
           <a:p>
             <a:fld id="{AD527CCB-E36C-43BF-96A9-78690A44E218}" type="datetimeFigureOut">
               <a:rPr lang="en-SG" smtClean="0"/>
-              <a:t>10/12/2024</a:t>
+              <a:t>28/1/2025</a:t>
             </a:fld>
             <a:endParaRPr lang="en-SG"/>
           </a:p>
@@ -2358,7 +2358,7 @@
           <a:p>
             <a:fld id="{AD527CCB-E36C-43BF-96A9-78690A44E218}" type="datetimeFigureOut">
               <a:rPr lang="en-SG" smtClean="0"/>
-              <a:t>10/12/2024</a:t>
+              <a:t>28/1/2025</a:t>
             </a:fld>
             <a:endParaRPr lang="en-SG"/>
           </a:p>
@@ -2571,7 +2571,7 @@
           <a:p>
             <a:fld id="{AD527CCB-E36C-43BF-96A9-78690A44E218}" type="datetimeFigureOut">
               <a:rPr lang="en-SG" smtClean="0"/>
-              <a:t>10/12/2024</a:t>
+              <a:t>28/1/2025</a:t>
             </a:fld>
             <a:endParaRPr lang="en-SG"/>
           </a:p>
@@ -3492,10 +3492,10 @@
       </p:pic>
       <p:pic>
         <p:nvPicPr>
-          <p:cNvPr id="1030" name="Picture 6" descr="MOM logo">
+          <p:cNvPr id="1032" name="Picture 8" descr="Indonesian Embassy Singapore">
             <a:extLst>
               <a:ext uri="{FF2B5EF4-FFF2-40B4-BE49-F238E27FC236}">
-                <a16:creationId xmlns:a16="http://schemas.microsoft.com/office/drawing/2014/main" id="{3B302C94-864D-2AED-73AB-07629F8870FB}"/>
+                <a16:creationId xmlns:a16="http://schemas.microsoft.com/office/drawing/2014/main" id="{CE6718E5-C71D-562F-A2EB-28EA7ADC056A}"/>
               </a:ext>
             </a:extLst>
           </p:cNvPr>
@@ -3519,54 +3519,7 @@
         </p:blipFill>
         <p:spPr bwMode="auto">
           <a:xfrm>
-            <a:off x="5448316" y="3907151"/>
-            <a:ext cx="2501343" cy="1208982"/>
-          </a:xfrm>
-          <a:prstGeom prst="rect">
-            <a:avLst/>
-          </a:prstGeom>
-          <a:noFill/>
-          <a:extLst>
-            <a:ext uri="{909E8E84-426E-40DD-AFC4-6F175D3DCCD1}">
-              <a14:hiddenFill xmlns:a14="http://schemas.microsoft.com/office/drawing/2010/main">
-                <a:solidFill>
-                  <a:srgbClr val="FFFFFF"/>
-                </a:solidFill>
-              </a14:hiddenFill>
-            </a:ext>
-          </a:extLst>
-        </p:spPr>
-      </p:pic>
-      <p:pic>
-        <p:nvPicPr>
-          <p:cNvPr id="1032" name="Picture 8" descr="Indonesian Embassy Singapore">
-            <a:extLst>
-              <a:ext uri="{FF2B5EF4-FFF2-40B4-BE49-F238E27FC236}">
-                <a16:creationId xmlns:a16="http://schemas.microsoft.com/office/drawing/2014/main" id="{CE6718E5-C71D-562F-A2EB-28EA7ADC056A}"/>
-              </a:ext>
-            </a:extLst>
-          </p:cNvPr>
-          <p:cNvPicPr>
-            <a:picLocks noChangeAspect="1" noChangeArrowheads="1"/>
-          </p:cNvPicPr>
-          <p:nvPr/>
-        </p:nvPicPr>
-        <p:blipFill>
-          <a:blip r:embed="rId4">
-            <a:extLst>
-              <a:ext uri="{28A0092B-C50C-407E-A947-70E740481C1C}">
-                <a14:useLocalDpi xmlns:a14="http://schemas.microsoft.com/office/drawing/2010/main" val="0"/>
-              </a:ext>
-            </a:extLst>
-          </a:blip>
-          <a:srcRect/>
-          <a:stretch>
-            <a:fillRect/>
-          </a:stretch>
-        </p:blipFill>
-        <p:spPr bwMode="auto">
-          <a:xfrm>
-            <a:off x="8125935" y="3445666"/>
+            <a:off x="6933436" y="3445667"/>
             <a:ext cx="2131952" cy="2131952"/>
           </a:xfrm>
           <a:prstGeom prst="rect">
@@ -3599,7 +3552,7 @@
           <p:nvPr/>
         </p:nvPicPr>
         <p:blipFill>
-          <a:blip r:embed="rId5">
+          <a:blip r:embed="rId4">
             <a:extLst>
               <a:ext uri="{28A0092B-C50C-407E-A947-70E740481C1C}">
                 <a14:useLocalDpi xmlns:a14="http://schemas.microsoft.com/office/drawing/2010/main" val="0"/>
@@ -3613,7 +3566,7 @@
         </p:blipFill>
         <p:spPr bwMode="auto">
           <a:xfrm>
-            <a:off x="10340319" y="3010127"/>
+            <a:off x="10089531" y="3114037"/>
             <a:ext cx="2771463" cy="2771463"/>
           </a:xfrm>
           <a:prstGeom prst="rect">
